--- a/doc/Lab3/Sporacid-Scalper.pptx
+++ b/doc/Lab3/Sporacid-Scalper.pptx
@@ -4420,15 +4420,7 @@
           <a:p>
             <a:r>
               <a:rPr lang="fr-CA" smtClean="0"/>
-              <a:t>Plan de </a:t>
-            </a:r>
-            <a:r>
-              <a:rPr lang="fr-CA" smtClean="0"/>
-              <a:t>la </a:t>
-            </a:r>
-            <a:r>
-              <a:rPr lang="fr-CA" smtClean="0"/>
-              <a:t>présentation</a:t>
+              <a:t>Plan de la présentation</a:t>
             </a:r>
             <a:endParaRPr lang="fr-CA"/>
           </a:p>
@@ -4450,84 +4442,102 @@
           <a:lstStyle/>
           <a:p>
             <a:r>
-              <a:rPr lang="fr-CA" smtClean="0"/>
-              <a:t>Introduction</a:t>
-            </a:r>
-          </a:p>
-          <a:p>
-            <a:r>
-              <a:rPr lang="fr-CA" smtClean="0"/>
+              <a:rPr lang="fr-CA" dirty="0" smtClean="0"/>
+              <a:t>Introduction		</a:t>
+            </a:r>
+            <a:r>
+              <a:rPr lang="fr-CA" dirty="0" smtClean="0"/>
+              <a:t> </a:t>
+            </a:r>
+            <a:r>
+              <a:rPr lang="fr-CA" dirty="0" smtClean="0"/>
+              <a:t>   		</a:t>
+            </a:r>
+            <a:r>
+              <a:rPr lang="fr-CA" dirty="0" smtClean="0"/>
+              <a:t>François</a:t>
+            </a:r>
+            <a:endParaRPr lang="fr-CA" dirty="0" smtClean="0"/>
+          </a:p>
+          <a:p>
+            <a:r>
+              <a:rPr lang="fr-CA" dirty="0" smtClean="0"/>
               <a:t>Points </a:t>
             </a:r>
             <a:r>
-              <a:rPr lang="fr-CA" smtClean="0"/>
-              <a:t>forts</a:t>
-            </a:r>
-            <a:endParaRPr lang="fr-CA" smtClean="0"/>
+              <a:rPr lang="fr-CA" dirty="0" smtClean="0"/>
+              <a:t>forts		      		Patrick</a:t>
+            </a:r>
+            <a:endParaRPr lang="fr-CA" dirty="0" smtClean="0"/>
           </a:p>
           <a:p>
             <a:pPr lvl="1"/>
             <a:r>
-              <a:rPr lang="fr-CA" smtClean="0"/>
-              <a:t>Site </a:t>
-            </a:r>
-            <a:r>
-              <a:rPr lang="fr-CA" smtClean="0"/>
-              <a:t>Statique</a:t>
-            </a:r>
-            <a:endParaRPr lang="fr-CA" smtClean="0"/>
+              <a:rPr lang="fr-CA" dirty="0" smtClean="0"/>
+              <a:t>Site Statique</a:t>
+            </a:r>
           </a:p>
           <a:p>
             <a:pPr lvl="1"/>
             <a:r>
-              <a:rPr lang="fr-CA" smtClean="0"/>
-              <a:t>Site </a:t>
-            </a:r>
-            <a:r>
-              <a:rPr lang="fr-CA" smtClean="0"/>
-              <a:t>Dynamique</a:t>
-            </a:r>
-            <a:endParaRPr lang="fr-CA" smtClean="0"/>
+              <a:rPr lang="fr-CA" dirty="0" smtClean="0"/>
+              <a:t>Site Dynamique</a:t>
+            </a:r>
           </a:p>
           <a:p>
             <a:pPr lvl="1"/>
             <a:r>
-              <a:rPr lang="fr-CA" smtClean="0"/>
-              <a:t>Couche de </a:t>
-            </a:r>
-            <a:r>
-              <a:rPr lang="fr-CA" smtClean="0"/>
-              <a:t>persistance</a:t>
-            </a:r>
-            <a:endParaRPr lang="fr-CA" smtClean="0"/>
-          </a:p>
-          <a:p>
-            <a:r>
-              <a:rPr lang="fr-CA" smtClean="0"/>
+              <a:rPr lang="fr-CA" dirty="0" smtClean="0"/>
+              <a:t>Couche de persistance</a:t>
+            </a:r>
+          </a:p>
+          <a:p>
+            <a:r>
+              <a:rPr lang="fr-CA" dirty="0" smtClean="0"/>
               <a:t>Points </a:t>
             </a:r>
             <a:r>
-              <a:rPr lang="fr-CA" smtClean="0"/>
-              <a:t>faibles</a:t>
-            </a:r>
-            <a:endParaRPr lang="fr-CA" smtClean="0"/>
-          </a:p>
-          <a:p>
-            <a:r>
-              <a:rPr lang="fr-CA" smtClean="0"/>
-              <a:t>Demo</a:t>
-            </a:r>
-            <a:endParaRPr lang="fr-CA" smtClean="0"/>
-          </a:p>
-          <a:p>
-            <a:r>
-              <a:rPr lang="fr-CA" smtClean="0"/>
-              <a:t>Conclusion</a:t>
-            </a:r>
-            <a:endParaRPr lang="fr-CA" smtClean="0"/>
-          </a:p>
-          <a:p>
-            <a:endParaRPr lang="fr-CA"/>
+              <a:rPr lang="fr-CA" dirty="0" smtClean="0"/>
+              <a:t>faibles		</a:t>
+            </a:r>
+            <a:r>
+              <a:rPr lang="fr-CA" dirty="0" smtClean="0"/>
+              <a:t> </a:t>
+            </a:r>
+            <a:r>
+              <a:rPr lang="fr-CA" dirty="0" smtClean="0"/>
+              <a:t>      		Julien</a:t>
+            </a:r>
+            <a:endParaRPr lang="fr-CA" dirty="0" smtClean="0"/>
+          </a:p>
+          <a:p>
+            <a:r>
+              <a:rPr lang="fr-CA" dirty="0" smtClean="0"/>
+              <a:t>Démonstration		</a:t>
+            </a:r>
+            <a:r>
+              <a:rPr lang="fr-CA" dirty="0" smtClean="0"/>
+              <a:t>	</a:t>
+            </a:r>
+            <a:r>
+              <a:rPr lang="fr-CA" dirty="0" smtClean="0"/>
+              <a:t>Simon </a:t>
+            </a:r>
+            <a:r>
+              <a:rPr lang="fr-CA" dirty="0" smtClean="0"/>
+              <a:t>	         </a:t>
+            </a:r>
+            <a:endParaRPr lang="fr-CA" dirty="0" smtClean="0"/>
+          </a:p>
+          <a:p>
+            <a:r>
+              <a:rPr lang="fr-CA" dirty="0" smtClean="0"/>
+              <a:t>Conclusion				Julien</a:t>
+            </a:r>
+            <a:endParaRPr lang="fr-CA" dirty="0" smtClean="0"/>
+          </a:p>
+          <a:p>
+            <a:endParaRPr lang="fr-CA" dirty="0"/>
           </a:p>
         </p:txBody>
       </p:sp>
@@ -4987,7 +4997,7 @@
         <p:spPr/>
         <p:txBody>
           <a:bodyPr>
-            <a:normAutofit fontScale="92500" lnSpcReduction="10000"/>
+            <a:normAutofit fontScale="85000" lnSpcReduction="20000"/>
           </a:bodyPr>
           <a:lstStyle/>
           <a:p>
@@ -5000,44 +5010,100 @@
             <a:pPr>
               <a:buNone/>
             </a:pPr>
-            <a:endParaRPr lang="fr-CA" dirty="0" smtClean="0"/>
+            <a:r>
+              <a:rPr lang="fr-CA" sz="2100" dirty="0" smtClean="0"/>
+              <a:t>							</a:t>
+            </a:r>
+            <a:endParaRPr lang="fr-CA" sz="2100" b="1" dirty="0" smtClean="0"/>
           </a:p>
           <a:p>
             <a:r>
               <a:rPr lang="fr-CA" dirty="0" smtClean="0"/>
-              <a:t>Site statique:</a:t>
-            </a:r>
+              <a:t>Site statique</a:t>
+            </a:r>
+            <a:r>
+              <a:rPr lang="fr-CA" dirty="0" smtClean="0"/>
+              <a:t>:				         </a:t>
+            </a:r>
+            <a:r>
+              <a:rPr lang="fr-CA" sz="2100" b="1" dirty="0" smtClean="0"/>
+              <a:t>AVANTAGES</a:t>
+            </a:r>
+            <a:endParaRPr lang="fr-CA" sz="2100" dirty="0" smtClean="0"/>
           </a:p>
           <a:p>
             <a:pPr lvl="1"/>
             <a:r>
               <a:rPr lang="fr-CA" dirty="0" smtClean="0"/>
-              <a:t>HTML/CSS		    </a:t>
+              <a:t>HTML/CSS</a:t>
+            </a:r>
+            <a:r>
+              <a:rPr lang="fr-CA" dirty="0" smtClean="0"/>
+              <a:t>	   </a:t>
             </a:r>
             <a:r>
               <a:rPr lang="fr-CA" sz="1900" dirty="0" smtClean="0"/>
-              <a:t>Structure des pages web</a:t>
-            </a:r>
-            <a:endParaRPr lang="fr-CA" sz="1900" dirty="0" smtClean="0"/>
+              <a:t>Structure </a:t>
+            </a:r>
+            <a:r>
+              <a:rPr lang="fr-CA" sz="1900" dirty="0" smtClean="0"/>
+              <a:t>des pages </a:t>
+            </a:r>
+            <a:r>
+              <a:rPr lang="fr-CA" sz="1900" dirty="0" smtClean="0"/>
+              <a:t>web	            </a:t>
+            </a:r>
+            <a:r>
+              <a:rPr lang="fr-CA" sz="1900" b="1" dirty="0" smtClean="0"/>
+              <a:t>À échelle variable</a:t>
+            </a:r>
+            <a:endParaRPr lang="fr-CA" sz="1900" b="1" dirty="0" smtClean="0"/>
           </a:p>
           <a:p>
             <a:pPr lvl="1"/>
             <a:r>
               <a:rPr lang="fr-CA" dirty="0" smtClean="0"/>
-              <a:t>Jquery			    </a:t>
+              <a:t>Jquery		</a:t>
+            </a:r>
+            <a:r>
+              <a:rPr lang="fr-CA" dirty="0" smtClean="0"/>
+              <a:t>   </a:t>
             </a:r>
             <a:r>
               <a:rPr lang="fr-CA" sz="1900" dirty="0" smtClean="0"/>
-              <a:t>Librairie d’outils JavaScript</a:t>
-            </a:r>
-            <a:endParaRPr lang="fr-CA" sz="1900" dirty="0" smtClean="0"/>
+              <a:t>Librairie </a:t>
+            </a:r>
+            <a:r>
+              <a:rPr lang="fr-CA" sz="1900" dirty="0" smtClean="0"/>
+              <a:t>d’outils </a:t>
+            </a:r>
+            <a:r>
+              <a:rPr lang="fr-CA" sz="1900" dirty="0" smtClean="0"/>
+              <a:t>en </a:t>
+            </a:r>
+            <a:r>
+              <a:rPr lang="fr-CA" sz="1900" dirty="0" smtClean="0"/>
+              <a:t>JavaScript	</a:t>
+            </a:r>
+            <a:r>
+              <a:rPr lang="fr-CA" sz="1900" b="1" dirty="0" smtClean="0"/>
+              <a:t> </a:t>
+            </a:r>
+            <a:r>
+              <a:rPr lang="fr-CA" sz="1900" b="1" dirty="0" smtClean="0"/>
+              <a:t>           </a:t>
+            </a:r>
+            <a:r>
+              <a:rPr lang="fr-CA" sz="1900" b="1" dirty="0" smtClean="0"/>
+              <a:t>Facile d’utilisation</a:t>
+            </a:r>
+            <a:endParaRPr lang="fr-CA" sz="1900" b="1" dirty="0" smtClean="0"/>
           </a:p>
           <a:p>
             <a:r>
               <a:rPr lang="fr-CA" dirty="0" smtClean="0"/>
               <a:t>Site dynamique:</a:t>
             </a:r>
-            <a:endParaRPr lang="fr-CA" dirty="0" smtClean="0"/>
           </a:p>
           <a:p>
             <a:pPr lvl="1"/>
@@ -5047,54 +5113,89 @@
             </a:r>
             <a:r>
               <a:rPr lang="fr-CA" dirty="0" smtClean="0"/>
+              <a:t>   </a:t>
+            </a:r>
+            <a:r>
+              <a:rPr lang="fr-CA" sz="1900" dirty="0" smtClean="0"/>
+              <a:t>Web </a:t>
+            </a:r>
+            <a:r>
+              <a:rPr lang="fr-CA" sz="1900" dirty="0" err="1" smtClean="0"/>
+              <a:t>Development</a:t>
+            </a:r>
+            <a:r>
+              <a:rPr lang="fr-CA" sz="1900" dirty="0" smtClean="0"/>
               <a:t> </a:t>
             </a:r>
             <a:r>
+              <a:rPr lang="fr-CA" sz="1900" dirty="0" smtClean="0"/>
+              <a:t>Framework            </a:t>
+            </a:r>
+            <a:r>
+              <a:rPr lang="fr-CA" sz="1900" b="1" dirty="0" smtClean="0"/>
+              <a:t>Annotation </a:t>
+            </a:r>
+            <a:r>
+              <a:rPr lang="fr-CA" sz="1900" b="1" dirty="0" err="1" smtClean="0"/>
+              <a:t>servlet</a:t>
+            </a:r>
+            <a:endParaRPr lang="fr-CA" sz="1900" b="1" dirty="0" smtClean="0"/>
+          </a:p>
+          <a:p>
+            <a:pPr lvl="1"/>
+            <a:r>
+              <a:rPr lang="fr-CA" dirty="0" err="1" smtClean="0"/>
+              <a:t>Jquery</a:t>
+            </a:r>
+            <a:r>
               <a:rPr lang="fr-CA" dirty="0" smtClean="0"/>
-              <a:t>         	    </a:t>
+              <a:t> </a:t>
+            </a:r>
+            <a:r>
+              <a:rPr lang="fr-CA" dirty="0" smtClean="0"/>
+              <a:t>– Ajax</a:t>
+            </a:r>
+            <a:r>
+              <a:rPr lang="fr-CA" dirty="0" smtClean="0"/>
+              <a:t>	   </a:t>
             </a:r>
             <a:r>
               <a:rPr lang="fr-CA" sz="1900" dirty="0" smtClean="0"/>
-              <a:t>Web Development Framework</a:t>
-            </a:r>
-            <a:endParaRPr lang="fr-CA" sz="1900" dirty="0" smtClean="0"/>
+              <a:t>Accès </a:t>
+            </a:r>
+            <a:r>
+              <a:rPr lang="fr-CA" sz="1900" dirty="0" smtClean="0"/>
+              <a:t>asynchrone aux </a:t>
+            </a:r>
+            <a:r>
+              <a:rPr lang="fr-CA" sz="1900" dirty="0" smtClean="0"/>
+              <a:t>données           </a:t>
+            </a:r>
+            <a:r>
+              <a:rPr lang="fr-CA" sz="1900" b="1" dirty="0" smtClean="0"/>
+              <a:t>Requête en arrière plan</a:t>
+            </a:r>
+            <a:endParaRPr lang="fr-CA" sz="1900" b="1" dirty="0" smtClean="0"/>
+          </a:p>
+          <a:p>
+            <a:r>
+              <a:rPr lang="fr-CA" dirty="0" smtClean="0"/>
+              <a:t>Couche de persistance:</a:t>
+            </a:r>
           </a:p>
           <a:p>
             <a:pPr lvl="1"/>
             <a:r>
               <a:rPr lang="fr-CA" dirty="0" smtClean="0"/>
-              <a:t>Jquery </a:t>
+              <a:t>Hibernate</a:t>
             </a:r>
             <a:r>
               <a:rPr lang="fr-CA" dirty="0" smtClean="0"/>
-              <a:t>- Ajax</a:t>
+              <a:t>	</a:t>
             </a:r>
             <a:r>
               <a:rPr lang="fr-CA" dirty="0" smtClean="0"/>
-              <a:t>		    </a:t>
-            </a:r>
-            <a:r>
-              <a:rPr lang="fr-CA" sz="1900" dirty="0" smtClean="0"/>
-              <a:t>Accès asynchrone aux données</a:t>
-            </a:r>
-            <a:endParaRPr lang="fr-CA" sz="1900" dirty="0" smtClean="0"/>
-          </a:p>
-          <a:p>
-            <a:r>
-              <a:rPr lang="fr-CA" dirty="0" smtClean="0"/>
-              <a:t>Couche de </a:t>
-            </a:r>
-            <a:r>
-              <a:rPr lang="fr-CA" dirty="0" smtClean="0"/>
-              <a:t>persistance:</a:t>
-            </a:r>
-            <a:endParaRPr lang="fr-CA" dirty="0" smtClean="0"/>
-          </a:p>
-          <a:p>
-            <a:pPr lvl="1"/>
-            <a:r>
-              <a:rPr lang="fr-CA" dirty="0" smtClean="0"/>
-              <a:t>Hibernate		    </a:t>
+              <a:t>   </a:t>
             </a:r>
             <a:r>
               <a:rPr lang="fr-CA" sz="1900" dirty="0" smtClean="0"/>
@@ -5106,9 +5207,63 @@
             </a:r>
             <a:r>
               <a:rPr lang="fr-CA" sz="1900" dirty="0" smtClean="0"/>
-              <a:t> Mapping Framework</a:t>
-            </a:r>
+              <a:t> Mapping </a:t>
+            </a:r>
+            <a:r>
+              <a:rPr lang="fr-CA" sz="1900" dirty="0" smtClean="0"/>
+              <a:t>	</a:t>
+            </a:r>
+            <a:r>
+              <a:rPr lang="fr-CA" sz="1900" dirty="0" smtClean="0"/>
+              <a:t>            </a:t>
+            </a:r>
+            <a:r>
+              <a:rPr lang="fr-CA" sz="1900" b="1" dirty="0" err="1" smtClean="0"/>
+              <a:t>Mapping</a:t>
+            </a:r>
+            <a:r>
+              <a:rPr lang="fr-CA" sz="1900" b="1" dirty="0" smtClean="0"/>
+              <a:t> d’objets</a:t>
+            </a:r>
+          </a:p>
+          <a:p>
+            <a:pPr lvl="1"/>
+            <a:r>
+              <a:rPr lang="fr-CA" dirty="0" smtClean="0"/>
+              <a:t>PostgreSQL 	   </a:t>
+            </a:r>
+            <a:r>
+              <a:rPr lang="fr-CA" sz="2100" dirty="0" smtClean="0"/>
+              <a:t>B</a:t>
+            </a:r>
+            <a:r>
+              <a:rPr lang="fr-CA" sz="1900" dirty="0" smtClean="0"/>
+              <a:t>ase de donnée relationnelle</a:t>
+            </a:r>
+            <a:r>
+              <a:rPr lang="fr-CA" sz="1900" dirty="0" smtClean="0"/>
+              <a:t> </a:t>
+            </a:r>
+            <a:r>
+              <a:rPr lang="fr-CA" sz="1900" dirty="0" smtClean="0"/>
+              <a:t>              </a:t>
+            </a:r>
+            <a:r>
+              <a:rPr lang="fr-CA" sz="1900" b="1" dirty="0" smtClean="0"/>
+              <a:t>Disponible 24h/24</a:t>
+            </a:r>
+          </a:p>
+          <a:p>
+            <a:pPr lvl="1">
+              <a:buNone/>
+            </a:pPr>
             <a:endParaRPr lang="fr-CA" sz="1900" dirty="0" smtClean="0"/>
+          </a:p>
+          <a:p>
+            <a:r>
+              <a:rPr lang="fr-CA" dirty="0" smtClean="0"/>
+              <a:t>Automatisation d’une suite de tests JUnit</a:t>
+            </a:r>
           </a:p>
           <a:p>
             <a:pPr lvl="1"/>
@@ -5248,7 +5403,7 @@
         </p:nvCxnSpPr>
         <p:spPr>
           <a:xfrm>
-            <a:off x="3923928" y="3356992"/>
+            <a:off x="2987824" y="3068960"/>
             <a:ext cx="216024" cy="0"/>
           </a:xfrm>
           <a:prstGeom prst="straightConnector1">
@@ -5284,7 +5439,7 @@
         </p:nvCxnSpPr>
         <p:spPr>
           <a:xfrm>
-            <a:off x="3923928" y="3789040"/>
+            <a:off x="2987824" y="3429000"/>
             <a:ext cx="216024" cy="0"/>
           </a:xfrm>
           <a:prstGeom prst="straightConnector1">
@@ -5320,7 +5475,7 @@
         </p:nvCxnSpPr>
         <p:spPr>
           <a:xfrm>
-            <a:off x="3923928" y="4653136"/>
+            <a:off x="2987824" y="4149080"/>
             <a:ext cx="216024" cy="0"/>
           </a:xfrm>
           <a:prstGeom prst="straightConnector1">
@@ -5356,7 +5511,7 @@
         </p:nvCxnSpPr>
         <p:spPr>
           <a:xfrm>
-            <a:off x="3923928" y="5085184"/>
+            <a:off x="2987824" y="4509120"/>
             <a:ext cx="216024" cy="0"/>
           </a:xfrm>
           <a:prstGeom prst="straightConnector1">
@@ -5392,7 +5547,43 @@
         </p:nvCxnSpPr>
         <p:spPr>
           <a:xfrm>
-            <a:off x="3923928" y="5877272"/>
+            <a:off x="2987824" y="5229200"/>
+            <a:ext cx="216024" cy="0"/>
+          </a:xfrm>
+          <a:prstGeom prst="straightConnector1">
+            <a:avLst/>
+          </a:prstGeom>
+          <a:ln w="28575">
+            <a:solidFill>
+              <a:schemeClr val="tx1"/>
+            </a:solidFill>
+            <a:tailEnd type="arrow"/>
+          </a:ln>
+        </p:spPr>
+        <p:style>
+          <a:lnRef idx="1">
+            <a:schemeClr val="dk1"/>
+          </a:lnRef>
+          <a:fillRef idx="0">
+            <a:schemeClr val="dk1"/>
+          </a:fillRef>
+          <a:effectRef idx="0">
+            <a:schemeClr val="dk1"/>
+          </a:effectRef>
+          <a:fontRef idx="minor">
+            <a:schemeClr val="tx1"/>
+          </a:fontRef>
+        </p:style>
+      </p:cxnSp>
+      <p:cxnSp>
+        <p:nvCxnSpPr>
+          <p:cNvPr id="14" name="Connecteur droit avec flèche 13"/>
+          <p:cNvCxnSpPr/>
+          <p:nvPr/>
+        </p:nvCxnSpPr>
+        <p:spPr>
+          <a:xfrm>
+            <a:off x="2987824" y="5589240"/>
             <a:ext cx="216024" cy="0"/>
           </a:xfrm>
           <a:prstGeom prst="straightConnector1">
@@ -5490,7 +5681,7 @@
         <p:spPr/>
         <p:txBody>
           <a:bodyPr>
-            <a:normAutofit fontScale="92500" lnSpcReduction="10000"/>
+            <a:normAutofit fontScale="92500" lnSpcReduction="20000"/>
           </a:bodyPr>
           <a:lstStyle/>
           <a:p>
@@ -5522,14 +5713,22 @@
           <a:p>
             <a:r>
               <a:rPr lang="fr-CA" dirty="0" smtClean="0"/>
-              <a:t>Améliorations possibles:</a:t>
+              <a:t>Améliorations possibles</a:t>
+            </a:r>
+            <a:r>
+              <a:rPr lang="fr-CA" dirty="0" smtClean="0"/>
+              <a:t>:</a:t>
             </a:r>
           </a:p>
           <a:p>
             <a:pPr lvl="1"/>
             <a:r>
+              <a:rPr lang="en-CA" dirty="0" smtClean="0"/>
+              <a:t>Résistance </a:t>
+            </a:r>
+            <a:r>
               <a:rPr lang="fr-CA" dirty="0" smtClean="0"/>
-              <a:t>Étendre internationalement Canada</a:t>
+              <a:t>à la surcharge de requêtes</a:t>
             </a:r>
             <a:endParaRPr lang="fr-CA" dirty="0" smtClean="0"/>
           </a:p>
@@ -5537,11 +5736,19 @@
             <a:pPr lvl="1"/>
             <a:r>
               <a:rPr lang="fr-CA" dirty="0" smtClean="0"/>
-              <a:t>Offrir plus d’un type </a:t>
+              <a:t>Étendre </a:t>
             </a:r>
             <a:r>
               <a:rPr lang="fr-CA" dirty="0" smtClean="0"/>
-              <a:t>de billets</a:t>
+              <a:t>internationalement</a:t>
+            </a:r>
+            <a:endParaRPr lang="fr-CA" dirty="0" smtClean="0"/>
+          </a:p>
+          <a:p>
+            <a:pPr lvl="1"/>
+            <a:r>
+              <a:rPr lang="fr-CA" dirty="0" smtClean="0"/>
+              <a:t>Offrir plus d’un type de billets</a:t>
             </a:r>
           </a:p>
           <a:p>
@@ -5555,7 +5762,15 @@
             <a:pPr lvl="2"/>
             <a:r>
               <a:rPr lang="fr-CA" dirty="0" smtClean="0"/>
-              <a:t>Permettre le paiement par plusieurs canaux(débit, paypal)</a:t>
+              <a:t>Permettre le paiement par plusieurs </a:t>
+            </a:r>
+            <a:r>
+              <a:rPr lang="fr-CA" dirty="0" smtClean="0"/>
+              <a:t>canaux (</a:t>
+            </a:r>
+            <a:r>
+              <a:rPr lang="fr-CA" dirty="0" smtClean="0"/>
+              <a:t>débit, paypal)</a:t>
             </a:r>
           </a:p>
           <a:p>
@@ -5742,8 +5957,8 @@
           <a:lstStyle/>
           <a:p>
             <a:r>
-              <a:rPr lang="fr-CA" dirty="0" err="1" smtClean="0"/>
-              <a:t>Demo</a:t>
+              <a:rPr lang="fr-CA" dirty="0" smtClean="0"/>
+              <a:t>Démonstration</a:t>
             </a:r>
             <a:endParaRPr lang="fr-CA" dirty="0"/>
           </a:p>
@@ -5911,7 +6126,6 @@
               <a:rPr lang="fr-CA" dirty="0" smtClean="0"/>
               <a:t>Cu2 – Achat de billets</a:t>
             </a:r>
-            <a:endParaRPr lang="fr-CA" dirty="0" smtClean="0"/>
           </a:p>
         </p:txBody>
       </p:sp>
@@ -6043,7 +6257,6 @@
               <a:rPr lang="fr-CA" dirty="0" smtClean="0"/>
               <a:t>Le produit est un très bon outil pour futur référence.</a:t>
             </a:r>
-            <a:endParaRPr lang="fr-CA" dirty="0" smtClean="0"/>
           </a:p>
           <a:p>
             <a:pPr>
@@ -6063,7 +6276,6 @@
               <a:rPr lang="fr-CA" dirty="0" smtClean="0"/>
               <a:t>Trouver un moyen de diviser la seconde itération en de plus petites itérations. </a:t>
             </a:r>
-            <a:endParaRPr lang="fr-CA" dirty="0" smtClean="0"/>
           </a:p>
           <a:p>
             <a:endParaRPr lang="fr-CA" dirty="0"/>
@@ -6175,24 +6387,7 @@
                 <a:ea typeface="+mn-ea"/>
                 <a:cs typeface="+mn-cs"/>
               </a:rPr>
-              <a:t>GTI525   -   </a:t>
-            </a:r>
-            <a:r>
-              <a:rPr kumimoji="0" lang="fr-CA" sz="3200" b="0" i="0" u="none" strike="noStrike" kern="1200" cap="none" spc="0" normalizeH="0" baseline="0" smtClean="0">
-                <a:ln>
-                  <a:noFill/>
-                </a:ln>
-                <a:solidFill>
-                  <a:schemeClr val="bg1"/>
-                </a:solidFill>
-                <a:effectLst/>
-                <a:uLnTx/>
-                <a:uFillTx/>
-                <a:latin typeface="+mn-lt"/>
-                <a:ea typeface="+mn-ea"/>
-                <a:cs typeface="+mn-cs"/>
-              </a:rPr>
-              <a:t>Application Web </a:t>
+              <a:t>GTI525   -   Application Web </a:t>
             </a:r>
             <a:endParaRPr kumimoji="0" lang="fr-CA" sz="3200" b="0" i="0" u="none" strike="noStrike" kern="1200" cap="none" spc="0" normalizeH="0" baseline="0">
               <a:ln>
